--- a/Time Series/Unit 3/Unit 3 Takeaways Sean Kennedy.pptx
+++ b/Time Series/Unit 3/Unit 3 Takeaways Sean Kennedy.pptx
@@ -5831,7 +5831,7 @@
         </p:spPr>
         <p:txBody>
           <a:bodyPr>
-            <a:normAutofit fontScale="70000" lnSpcReduction="20000"/>
+            <a:normAutofit/>
           </a:bodyPr>
           <a:lstStyle/>
           <a:p>
@@ -5840,51 +5840,19 @@
               <a:buChar char="•"/>
             </a:pPr>
             <a:r>
+              <a:rPr lang="en-US" dirty="0" err="1"/>
+              <a:t>HiGH</a:t>
+            </a:r>
+            <a:r>
               <a:rPr lang="en-US" dirty="0"/>
-              <a:t>Is there a periodic function which describes expected Same store sales based on quarter. If so, is the phase annual? (this is a work problem that I’d LOVE to ask you about </a:t>
-            </a:r>
-            <a:r>
-              <a:rPr lang="en-US" dirty="0">
-                <a:sym typeface="Wingdings" pitchFamily="2" charset="2"/>
-              </a:rPr>
-              <a:t>)</a:t>
-            </a:r>
-            <a:endParaRPr lang="en-US" dirty="0"/>
-          </a:p>
-          <a:p>
-            <a:pPr marL="285750" indent="-285750" algn="l">
-              <a:buFont typeface="Arial" panose="020B0604020202020204" pitchFamily="34" charset="0"/>
-              <a:buChar char="•"/>
-            </a:pPr>
-            <a:r>
+              <a:t> PASS FILTER VS LOW PASS FILTER:</a:t>
+            </a:r>
+            <a:br>
               <a:rPr lang="en-US" dirty="0"/>
-              <a:t>Why are we calling angular frequency B? </a:t>
-            </a:r>
-          </a:p>
-          <a:p>
-            <a:pPr marL="285750" indent="-285750" algn="l">
-              <a:buFont typeface="Arial" panose="020B0604020202020204" pitchFamily="34" charset="0"/>
-              <a:buChar char="•"/>
-            </a:pPr>
+            </a:br>
             <a:r>
               <a:rPr lang="en-US" dirty="0"/>
-              <a:t>How does </a:t>
-            </a:r>
-            <a:r>
-              <a:rPr lang="en-US" dirty="0" err="1"/>
-              <a:t>alL</a:t>
-            </a:r>
-            <a:r>
-              <a:rPr lang="en-US" dirty="0"/>
-              <a:t> of this relate to the </a:t>
-            </a:r>
-            <a:r>
-              <a:rPr lang="en-US" dirty="0" err="1"/>
-              <a:t>fourier</a:t>
-            </a:r>
-            <a:r>
-              <a:rPr lang="en-US" dirty="0"/>
-              <a:t> transform?</a:t>
+              <a:t>	HIGH-PASS:</a:t>
             </a:r>
           </a:p>
           <a:p>
@@ -5894,7 +5862,7 @@
             </a:pPr>
             <a:r>
               <a:rPr lang="en-US" dirty="0"/>
-              <a:t>Never mind – kept watching :)</a:t>
+              <a:t>ISOLATES HIGHER FREQUENCY TRENDS </a:t>
             </a:r>
           </a:p>
           <a:p>
@@ -5904,90 +5872,15 @@
             </a:pPr>
             <a:r>
               <a:rPr lang="en-US" dirty="0"/>
-              <a:t>Are we going to cover the reverse Fourier transform ?</a:t>
-            </a:r>
-          </a:p>
-          <a:p>
-            <a:pPr marL="1200150" lvl="2" indent="-285750" algn="l">
-              <a:buFont typeface="Arial" panose="020B0604020202020204" pitchFamily="34" charset="0"/>
-              <a:buChar char="•"/>
-            </a:pPr>
+              <a:t>DIFFERENCING OPERATIONS</a:t>
+            </a:r>
+          </a:p>
+          <a:p>
+            <a:pPr lvl="2" algn="l"/>
             <a:r>
               <a:rPr lang="en-US" dirty="0"/>
-              <a:t>Never mind (read this https://</a:t>
-            </a:r>
-            <a:r>
-              <a:rPr lang="en-US" dirty="0" err="1"/>
-              <a:t>personal.egr.uri.edu</a:t>
-            </a:r>
-            <a:r>
-              <a:rPr lang="en-US" dirty="0"/>
-              <a:t>/</a:t>
-            </a:r>
-            <a:r>
-              <a:rPr lang="en-US" dirty="0" err="1"/>
-              <a:t>chelidz</a:t>
-            </a:r>
-            <a:r>
-              <a:rPr lang="en-US" dirty="0"/>
-              <a:t>/documents/mce567_Chapter_4.pdf )</a:t>
-            </a:r>
-          </a:p>
-          <a:p>
-            <a:pPr marL="285750" indent="-285750" algn="l">
-              <a:buFont typeface="Arial" panose="020B0604020202020204" pitchFamily="34" charset="0"/>
-              <a:buChar char="•"/>
-            </a:pPr>
-            <a:r>
-              <a:rPr lang="en-US" dirty="0"/>
-              <a:t>How does spectral density relate to eigen-energies in quantum mechanics</a:t>
-            </a:r>
-            <a:r>
-              <a:rPr lang="en-US" dirty="0">
-                <a:latin typeface="Symbol" pitchFamily="2" charset="2"/>
-              </a:rPr>
-              <a:t>?</a:t>
-            </a:r>
-          </a:p>
-          <a:p>
-            <a:pPr marL="1200150" lvl="2" indent="-285750" algn="l">
-              <a:buFont typeface="Arial" panose="020B0604020202020204" pitchFamily="34" charset="0"/>
-              <a:buChar char="•"/>
-            </a:pPr>
-            <a:r>
-              <a:rPr lang="en-US" dirty="0">
-                <a:latin typeface="Calibri" panose="020F0502020204030204" pitchFamily="34" charset="0"/>
-                <a:cs typeface="Calibri" panose="020F0502020204030204" pitchFamily="34" charset="0"/>
-              </a:rPr>
-              <a:t>Spectral decomposition of a matrix generates the eigenvalues </a:t>
-            </a:r>
-            <a:r>
-              <a:rPr lang="en-US" dirty="0">
-                <a:latin typeface="Calibri" panose="020F0502020204030204" pitchFamily="34" charset="0"/>
-                <a:cs typeface="Calibri" panose="020F0502020204030204" pitchFamily="34" charset="0"/>
-                <a:sym typeface="Wingdings" pitchFamily="2" charset="2"/>
-              </a:rPr>
-              <a:t> are the eigenvalues related to the peaks of the </a:t>
-            </a:r>
-            <a:r>
-              <a:rPr lang="en-US">
-                <a:latin typeface="Calibri" panose="020F0502020204030204" pitchFamily="34" charset="0"/>
-                <a:cs typeface="Calibri" panose="020F0502020204030204" pitchFamily="34" charset="0"/>
-                <a:sym typeface="Wingdings" pitchFamily="2" charset="2"/>
-              </a:rPr>
-              <a:t>spectral density plot?</a:t>
-            </a:r>
-            <a:endParaRPr lang="en-US" dirty="0">
-              <a:latin typeface="Calibri" panose="020F0502020204030204" pitchFamily="34" charset="0"/>
-              <a:cs typeface="Calibri" panose="020F0502020204030204" pitchFamily="34" charset="0"/>
-            </a:endParaRPr>
-          </a:p>
-          <a:p>
-            <a:pPr marL="285750" indent="-285750" algn="l">
-              <a:buFont typeface="Arial" panose="020B0604020202020204" pitchFamily="34" charset="0"/>
-              <a:buChar char="•"/>
-            </a:pPr>
-            <a:endParaRPr lang="en-US" dirty="0"/>
+              <a:t>LOW PASS		</a:t>
+            </a:r>
           </a:p>
         </p:txBody>
       </p:sp>
